--- a/WebContent/jhk/0508 전현규.pptx
+++ b/WebContent/jhk/0508 전현규.pptx
@@ -32,37 +32,37 @@
   <p:notesSz cx="6858000" cy="9144000"/>
   <p:embeddedFontLst>
     <p:embeddedFont>
+      <p:font typeface="나눔스퀘어_ac ExtraBold" panose="020B0600000101010101" pitchFamily="50" charset="-127"/>
+      <p:bold r:id="rId24"/>
+    </p:embeddedFont>
+    <p:embeddedFont>
+      <p:font typeface="Calibri Light" panose="020F0302020204030204" pitchFamily="34" charset="0"/>
+      <p:regular r:id="rId25"/>
+      <p:italic r:id="rId26"/>
+    </p:embeddedFont>
+    <p:embeddedFont>
+      <p:font typeface="나눔스퀘어_ac" panose="020B0600000101010101" pitchFamily="50" charset="-127"/>
+      <p:regular r:id="rId27"/>
+    </p:embeddedFont>
+    <p:embeddedFont>
       <p:font typeface="맑은 고딕" panose="020B0503020000020004" pitchFamily="50" charset="-127"/>
-      <p:regular r:id="rId24"/>
-      <p:bold r:id="rId25"/>
+      <p:regular r:id="rId28"/>
+      <p:bold r:id="rId29"/>
+    </p:embeddedFont>
+    <p:embeddedFont>
+      <p:font typeface="타이포_스톰 B" panose="02020503020101020101" pitchFamily="18" charset="-127"/>
+      <p:regular r:id="rId30"/>
+    </p:embeddedFont>
+    <p:embeddedFont>
+      <p:font typeface="Calibri" panose="020F0502020204030204" pitchFamily="34" charset="0"/>
+      <p:regular r:id="rId31"/>
+      <p:bold r:id="rId32"/>
+      <p:italic r:id="rId33"/>
+      <p:boldItalic r:id="rId34"/>
     </p:embeddedFont>
     <p:embeddedFont>
       <p:font typeface="Bahnschrift Light SemiCondensed" panose="020B0502040204020203" pitchFamily="34" charset="0"/>
-      <p:regular r:id="rId26"/>
-    </p:embeddedFont>
-    <p:embeddedFont>
-      <p:font typeface="나눔스퀘어_ac ExtraBold" panose="020B0600000101010101" pitchFamily="50" charset="-127"/>
-      <p:bold r:id="rId27"/>
-    </p:embeddedFont>
-    <p:embeddedFont>
-      <p:font typeface="타이포_스톰 B" panose="02020503020101020101" pitchFamily="18" charset="-127"/>
-      <p:regular r:id="rId28"/>
-    </p:embeddedFont>
-    <p:embeddedFont>
-      <p:font typeface="Calibri" panose="020F0502020204030204" pitchFamily="34" charset="0"/>
-      <p:regular r:id="rId29"/>
-      <p:bold r:id="rId30"/>
-      <p:italic r:id="rId31"/>
-      <p:boldItalic r:id="rId32"/>
-    </p:embeddedFont>
-    <p:embeddedFont>
-      <p:font typeface="나눔스퀘어_ac" panose="020B0600000101010101" pitchFamily="50" charset="-127"/>
-      <p:regular r:id="rId33"/>
-    </p:embeddedFont>
-    <p:embeddedFont>
-      <p:font typeface="Calibri Light" panose="020F0302020204030204" pitchFamily="34" charset="0"/>
-      <p:regular r:id="rId34"/>
-      <p:italic r:id="rId35"/>
+      <p:regular r:id="rId35"/>
     </p:embeddedFont>
   </p:embeddedFontLst>
   <p:defaultTextStyle>
@@ -4057,7 +4057,7 @@
         </p:nvSpPr>
         <p:spPr>
           <a:xfrm>
-            <a:off x="0" y="0"/>
+            <a:off x="0" y="-36946"/>
             <a:ext cx="9144000" cy="590204"/>
           </a:xfrm>
           <a:prstGeom prst="rect">
@@ -5458,7 +5458,7 @@
           <p:cNvPr id="38" name="TextBox 37">
             <a:extLst>
               <a:ext uri="{FF2B5EF4-FFF2-40B4-BE49-F238E27FC236}">
-                <a16:creationId xmlns:a16="http://schemas.microsoft.com/office/drawing/2014/main" xmlns="" id="{BAE4291C-03B8-4E55-B8AB-AFC512F36275}"/>
+                <a16:creationId xmlns="" xmlns:a16="http://schemas.microsoft.com/office/drawing/2014/main" id="{BAE4291C-03B8-4E55-B8AB-AFC512F36275}"/>
               </a:ext>
             </a:extLst>
           </p:cNvPr>
@@ -6231,7 +6231,7 @@
           <p:cNvPr id="51" name="TextBox 50">
             <a:extLst>
               <a:ext uri="{FF2B5EF4-FFF2-40B4-BE49-F238E27FC236}">
-                <a16:creationId xmlns:a16="http://schemas.microsoft.com/office/drawing/2014/main" xmlns="" id="{BAE4291C-03B8-4E55-B8AB-AFC512F36275}"/>
+                <a16:creationId xmlns="" xmlns:a16="http://schemas.microsoft.com/office/drawing/2014/main" id="{BAE4291C-03B8-4E55-B8AB-AFC512F36275}"/>
               </a:ext>
             </a:extLst>
           </p:cNvPr>
@@ -6265,15 +6265,7 @@
                   <a:prstClr val="black"/>
                 </a:solidFill>
               </a:rPr>
-              <a:t>현재 팀에 참여하지 </a:t>
-            </a:r>
-            <a:r>
-              <a:rPr lang="ko-KR" altLang="en-US" sz="1050">
-                <a:solidFill>
-                  <a:prstClr val="black"/>
-                </a:solidFill>
-              </a:rPr>
-              <a:t>않은 </a:t>
+              <a:t>현재 팀에 참여하지 않은 </a:t>
             </a:r>
             <a:r>
               <a:rPr lang="ko-KR" altLang="en-US" sz="1050" smtClean="0">
@@ -6343,11 +6335,6 @@
               </a:rPr>
               <a:t>3</a:t>
             </a:r>
-            <a:endParaRPr lang="en-US" altLang="ko-KR" b="1" dirty="0">
-              <a:solidFill>
-                <a:schemeClr val="bg1"/>
-              </a:solidFill>
-            </a:endParaRPr>
           </a:p>
         </p:txBody>
       </p:sp>
@@ -6356,7 +6343,7 @@
           <p:cNvPr id="53" name="TextBox 52">
             <a:extLst>
               <a:ext uri="{FF2B5EF4-FFF2-40B4-BE49-F238E27FC236}">
-                <a16:creationId xmlns:a16="http://schemas.microsoft.com/office/drawing/2014/main" xmlns="" id="{BAE4291C-03B8-4E55-B8AB-AFC512F36275}"/>
+                <a16:creationId xmlns="" xmlns:a16="http://schemas.microsoft.com/office/drawing/2014/main" id="{BAE4291C-03B8-4E55-B8AB-AFC512F36275}"/>
               </a:ext>
             </a:extLst>
           </p:cNvPr>
@@ -6978,7 +6965,7 @@
           <p:cNvPr id="38" name="TextBox 37">
             <a:extLst>
               <a:ext uri="{FF2B5EF4-FFF2-40B4-BE49-F238E27FC236}">
-                <a16:creationId xmlns:a16="http://schemas.microsoft.com/office/drawing/2014/main" xmlns="" id="{BAE4291C-03B8-4E55-B8AB-AFC512F36275}"/>
+                <a16:creationId xmlns="" xmlns:a16="http://schemas.microsoft.com/office/drawing/2014/main" id="{BAE4291C-03B8-4E55-B8AB-AFC512F36275}"/>
               </a:ext>
             </a:extLst>
           </p:cNvPr>
@@ -7728,7 +7715,7 @@
           <p:cNvPr id="38" name="TextBox 37">
             <a:extLst>
               <a:ext uri="{FF2B5EF4-FFF2-40B4-BE49-F238E27FC236}">
-                <a16:creationId xmlns:a16="http://schemas.microsoft.com/office/drawing/2014/main" xmlns="" id="{BAE4291C-03B8-4E55-B8AB-AFC512F36275}"/>
+                <a16:creationId xmlns="" xmlns:a16="http://schemas.microsoft.com/office/drawing/2014/main" id="{BAE4291C-03B8-4E55-B8AB-AFC512F36275}"/>
               </a:ext>
             </a:extLst>
           </p:cNvPr>
@@ -8506,7 +8493,7 @@
           <p:cNvPr id="38" name="TextBox 37">
             <a:extLst>
               <a:ext uri="{FF2B5EF4-FFF2-40B4-BE49-F238E27FC236}">
-                <a16:creationId xmlns:a16="http://schemas.microsoft.com/office/drawing/2014/main" xmlns="" id="{BAE4291C-03B8-4E55-B8AB-AFC512F36275}"/>
+                <a16:creationId xmlns="" xmlns:a16="http://schemas.microsoft.com/office/drawing/2014/main" id="{BAE4291C-03B8-4E55-B8AB-AFC512F36275}"/>
               </a:ext>
             </a:extLst>
           </p:cNvPr>
@@ -8535,15 +8522,7 @@
                   <a:prstClr val="black"/>
                 </a:solidFill>
               </a:rPr>
-              <a:t>담당프로젝트 </a:t>
-            </a:r>
-            <a:r>
-              <a:rPr lang="ko-KR" altLang="en-US" sz="1050">
-                <a:solidFill>
-                  <a:prstClr val="black"/>
-                </a:solidFill>
-              </a:rPr>
-              <a:t>간트챠트</a:t>
+              <a:t>담당프로젝트 간트챠트</a:t>
             </a:r>
             <a:r>
               <a:rPr lang="en-US" altLang="ko-KR" sz="1050" smtClean="0">
@@ -10162,7 +10141,7 @@
           <p:cNvPr id="56" name="TextBox 55">
             <a:extLst>
               <a:ext uri="{FF2B5EF4-FFF2-40B4-BE49-F238E27FC236}">
-                <a16:creationId xmlns:a16="http://schemas.microsoft.com/office/drawing/2014/main" xmlns="" id="{BAE4291C-03B8-4E55-B8AB-AFC512F36275}"/>
+                <a16:creationId xmlns="" xmlns:a16="http://schemas.microsoft.com/office/drawing/2014/main" id="{BAE4291C-03B8-4E55-B8AB-AFC512F36275}"/>
               </a:ext>
             </a:extLst>
           </p:cNvPr>
@@ -10206,7 +10185,7 @@
           <p:cNvPr id="57" name="TextBox 56">
             <a:extLst>
               <a:ext uri="{FF2B5EF4-FFF2-40B4-BE49-F238E27FC236}">
-                <a16:creationId xmlns:a16="http://schemas.microsoft.com/office/drawing/2014/main" xmlns="" id="{BAE4291C-03B8-4E55-B8AB-AFC512F36275}"/>
+                <a16:creationId xmlns="" xmlns:a16="http://schemas.microsoft.com/office/drawing/2014/main" id="{BAE4291C-03B8-4E55-B8AB-AFC512F36275}"/>
               </a:ext>
             </a:extLst>
           </p:cNvPr>
@@ -10240,15 +10219,7 @@
                   <a:prstClr val="black"/>
                 </a:solidFill>
               </a:rPr>
-              <a:t>현재 팀에 참여하지 </a:t>
-            </a:r>
-            <a:r>
-              <a:rPr lang="ko-KR" altLang="en-US" sz="1050">
-                <a:solidFill>
-                  <a:prstClr val="black"/>
-                </a:solidFill>
-              </a:rPr>
-              <a:t>않은 </a:t>
+              <a:t>현재 팀에 참여하지 않은 </a:t>
             </a:r>
             <a:r>
               <a:rPr lang="ko-KR" altLang="en-US" sz="1050" smtClean="0">
@@ -10318,11 +10289,6 @@
               </a:rPr>
               <a:t>3</a:t>
             </a:r>
-            <a:endParaRPr lang="en-US" altLang="ko-KR" b="1" dirty="0">
-              <a:solidFill>
-                <a:schemeClr val="bg1"/>
-              </a:solidFill>
-            </a:endParaRPr>
           </a:p>
         </p:txBody>
       </p:sp>
@@ -10331,7 +10297,7 @@
           <p:cNvPr id="59" name="TextBox 58">
             <a:extLst>
               <a:ext uri="{FF2B5EF4-FFF2-40B4-BE49-F238E27FC236}">
-                <a16:creationId xmlns:a16="http://schemas.microsoft.com/office/drawing/2014/main" xmlns="" id="{BAE4291C-03B8-4E55-B8AB-AFC512F36275}"/>
+                <a16:creationId xmlns="" xmlns:a16="http://schemas.microsoft.com/office/drawing/2014/main" id="{BAE4291C-03B8-4E55-B8AB-AFC512F36275}"/>
               </a:ext>
             </a:extLst>
           </p:cNvPr>
@@ -12529,8 +12495,8 @@
         </p:nvSpPr>
         <p:spPr>
           <a:xfrm>
-            <a:off x="1342768" y="1971242"/>
-            <a:ext cx="6881952" cy="2308324"/>
+            <a:off x="487680" y="1635042"/>
+            <a:ext cx="8424672" cy="2308324"/>
           </a:xfrm>
           <a:prstGeom prst="rect">
             <a:avLst/>
@@ -12543,60 +12509,120 @@
           </a:bodyPr>
           <a:lstStyle/>
           <a:p>
-            <a:r>
-              <a:rPr lang="ko-KR" altLang="en-US" dirty="0"/>
-              <a:t>프로젝트 관리 방법을 사용하는 것으로 기술의 전달이나 표준화가 가능하게 되어 프로젝트 성과가 보다 높아지게 되었다</a:t>
-            </a:r>
-            <a:r>
-              <a:rPr lang="en-US" altLang="ko-KR" dirty="0"/>
-              <a:t>. </a:t>
-            </a:r>
-            <a:endParaRPr lang="en-US" altLang="ko-KR" dirty="0" smtClean="0"/>
-          </a:p>
-          <a:p>
-            <a:r>
-              <a:rPr lang="ko-KR" altLang="en-US" dirty="0" err="1" smtClean="0"/>
-              <a:t>간트</a:t>
-            </a:r>
-            <a:r>
-              <a:rPr lang="ko-KR" altLang="en-US" dirty="0" smtClean="0"/>
+            <a:pPr marL="285750" indent="-285750">
+              <a:buFont typeface="Arial" panose="020B0604020202020204" pitchFamily="34" charset="0"/>
+              <a:buChar char="•"/>
+            </a:pPr>
+            <a:r>
+              <a:rPr lang="en-US" altLang="ko-KR" smtClean="0"/>
+              <a:t>PMS(Project Management System)?</a:t>
+            </a:r>
+          </a:p>
+          <a:p>
+            <a:r>
+              <a:rPr lang="en-US" altLang="ko-KR"/>
               <a:t> </a:t>
             </a:r>
             <a:r>
-              <a:rPr lang="ko-KR" altLang="en-US" dirty="0"/>
-              <a:t>차트 등을 포함하는 프로젝트 관리 제품을 이용하는 것으로 효율적인 업무수행이 가능하게 되었다</a:t>
-            </a:r>
-            <a:r>
-              <a:rPr lang="en-US" altLang="ko-KR" dirty="0" smtClean="0"/>
+              <a:rPr lang="en-US" altLang="ko-KR" smtClean="0"/>
+              <a:t> </a:t>
+            </a:r>
+            <a:r>
+              <a:rPr lang="ko-KR" altLang="en-US" smtClean="0"/>
+              <a:t>기업이 운영하는 다양한 프로젝트의 정보개요</a:t>
+            </a:r>
+            <a:r>
+              <a:rPr lang="en-US" altLang="ko-KR" smtClean="0"/>
+              <a:t>, </a:t>
+            </a:r>
+            <a:r>
+              <a:rPr lang="ko-KR" altLang="en-US" smtClean="0"/>
+              <a:t>진척현황</a:t>
+            </a:r>
+            <a:r>
+              <a:rPr lang="en-US" altLang="ko-KR" smtClean="0"/>
+              <a:t>, </a:t>
+            </a:r>
+            <a:r>
+              <a:rPr lang="ko-KR" altLang="en-US" smtClean="0"/>
+              <a:t>인력배정</a:t>
+            </a:r>
+            <a:r>
+              <a:rPr lang="en-US" altLang="ko-KR" smtClean="0"/>
+              <a:t>, </a:t>
+            </a:r>
+            <a:r>
+              <a:rPr lang="ko-KR" altLang="en-US" smtClean="0"/>
+              <a:t>원기분석등의 정보를 한 눈에 조회할 수 있어 기업의 전략추진과 경영혁신</a:t>
+            </a:r>
+            <a:r>
+              <a:rPr lang="en-US" altLang="ko-KR" smtClean="0"/>
+              <a:t>, </a:t>
+            </a:r>
+            <a:r>
+              <a:rPr lang="ko-KR" altLang="en-US" smtClean="0"/>
+              <a:t>운영관리를 체계적으로 관리하여 업무의 생산성과 효율성을 향상시키는 솔루션</a:t>
+            </a:r>
+            <a:endParaRPr lang="en-US" altLang="ko-KR" smtClean="0"/>
+          </a:p>
+          <a:p>
+            <a:endParaRPr lang="en-US" altLang="ko-KR" smtClean="0"/>
+          </a:p>
+          <a:p>
+            <a:pPr marL="285750" indent="-285750">
+              <a:buFont typeface="Arial" panose="020B0604020202020204" pitchFamily="34" charset="0"/>
+              <a:buChar char="•"/>
+            </a:pPr>
+            <a:r>
+              <a:rPr lang="en-US" altLang="ko-KR" smtClean="0"/>
+              <a:t>PMS</a:t>
+            </a:r>
+            <a:r>
+              <a:rPr lang="ko-KR" altLang="en-US" smtClean="0"/>
+              <a:t>를 통한 프로젝트 관리</a:t>
+            </a:r>
+            <a:endParaRPr lang="en-US" altLang="ko-KR" smtClean="0"/>
+          </a:p>
+          <a:p>
+            <a:r>
+              <a:rPr lang="en-US" altLang="ko-KR"/>
+              <a:t> </a:t>
+            </a:r>
+            <a:r>
+              <a:rPr lang="en-US" altLang="ko-KR" smtClean="0"/>
+              <a:t> </a:t>
+            </a:r>
+            <a:r>
+              <a:rPr lang="ko-KR" altLang="en-US" smtClean="0"/>
+              <a:t>실제로 기업들이 활용하는 </a:t>
+            </a:r>
+            <a:r>
+              <a:rPr lang="en-US" altLang="ko-KR" smtClean="0"/>
+              <a:t>PMS</a:t>
+            </a:r>
+            <a:r>
+              <a:rPr lang="ko-KR" altLang="en-US" smtClean="0"/>
+              <a:t>를 직접 개발해서 프로젝트의 진행상황</a:t>
+            </a:r>
+            <a:r>
+              <a:rPr lang="en-US" altLang="ko-KR" smtClean="0"/>
+              <a:t>, </a:t>
+            </a:r>
+            <a:r>
+              <a:rPr lang="ko-KR" altLang="en-US" smtClean="0"/>
+              <a:t>소요시간</a:t>
+            </a:r>
+            <a:r>
+              <a:rPr lang="en-US" altLang="ko-KR" smtClean="0"/>
+              <a:t>, </a:t>
+            </a:r>
+            <a:r>
+              <a:rPr lang="ko-KR" altLang="en-US" smtClean="0"/>
+              <a:t>비용을 체계적으로 관리함으로써 프로젝트 진행효율을 향상시키고 한다</a:t>
+            </a:r>
+            <a:r>
+              <a:rPr lang="en-US" altLang="ko-KR" smtClean="0"/>
               <a:t>.</a:t>
-            </a:r>
-          </a:p>
-          <a:p>
-            <a:r>
-              <a:rPr lang="ko-KR" altLang="en-US" dirty="0" smtClean="0"/>
-              <a:t>팀원에의 </a:t>
-            </a:r>
-            <a:r>
-              <a:rPr lang="ko-KR" altLang="en-US" dirty="0"/>
-              <a:t>작업 할당</a:t>
-            </a:r>
-          </a:p>
-          <a:p>
-            <a:r>
-              <a:rPr lang="ko-KR" altLang="en-US" dirty="0"/>
-              <a:t>진척 관리</a:t>
-            </a:r>
-          </a:p>
-          <a:p>
-            <a:r>
-              <a:rPr lang="ko-KR" altLang="en-US" dirty="0"/>
-              <a:t>목적에 따른 결과가 도출되게끔 작업의 방향성을 유지</a:t>
-            </a:r>
-          </a:p>
-          <a:p>
-            <a:r>
-              <a:rPr lang="ko-KR" altLang="en-US" dirty="0"/>
-              <a:t>달성한 결과를 분석</a:t>
             </a:r>
           </a:p>
         </p:txBody>

--- a/WebContent/jhk/0508 전현규.pptx
+++ b/WebContent/jhk/0508 전현규.pptx
@@ -36,33 +36,33 @@
       <p:bold r:id="rId24"/>
     </p:embeddedFont>
     <p:embeddedFont>
+      <p:font typeface="타이포_스톰 B" panose="02020503020101020101" pitchFamily="18" charset="-127"/>
+      <p:regular r:id="rId25"/>
+    </p:embeddedFont>
+    <p:embeddedFont>
+      <p:font typeface="Bahnschrift Light SemiCondensed" panose="020B0502040204020203" pitchFamily="34" charset="0"/>
+      <p:regular r:id="rId26"/>
+    </p:embeddedFont>
+    <p:embeddedFont>
       <p:font typeface="Calibri Light" panose="020F0302020204030204" pitchFamily="34" charset="0"/>
-      <p:regular r:id="rId25"/>
-      <p:italic r:id="rId26"/>
+      <p:regular r:id="rId27"/>
+      <p:italic r:id="rId28"/>
+    </p:embeddedFont>
+    <p:embeddedFont>
+      <p:font typeface="맑은 고딕" panose="020B0503020000020004" pitchFamily="50" charset="-127"/>
+      <p:regular r:id="rId29"/>
+      <p:bold r:id="rId30"/>
     </p:embeddedFont>
     <p:embeddedFont>
       <p:font typeface="나눔스퀘어_ac" panose="020B0600000101010101" pitchFamily="50" charset="-127"/>
-      <p:regular r:id="rId27"/>
-    </p:embeddedFont>
-    <p:embeddedFont>
-      <p:font typeface="맑은 고딕" panose="020B0503020000020004" pitchFamily="50" charset="-127"/>
-      <p:regular r:id="rId28"/>
-      <p:bold r:id="rId29"/>
-    </p:embeddedFont>
-    <p:embeddedFont>
-      <p:font typeface="타이포_스톰 B" panose="02020503020101020101" pitchFamily="18" charset="-127"/>
-      <p:regular r:id="rId30"/>
+      <p:regular r:id="rId31"/>
     </p:embeddedFont>
     <p:embeddedFont>
       <p:font typeface="Calibri" panose="020F0502020204030204" pitchFamily="34" charset="0"/>
-      <p:regular r:id="rId31"/>
-      <p:bold r:id="rId32"/>
-      <p:italic r:id="rId33"/>
-      <p:boldItalic r:id="rId34"/>
-    </p:embeddedFont>
-    <p:embeddedFont>
-      <p:font typeface="Bahnschrift Light SemiCondensed" panose="020B0502040204020203" pitchFamily="34" charset="0"/>
-      <p:regular r:id="rId35"/>
+      <p:regular r:id="rId32"/>
+      <p:bold r:id="rId33"/>
+      <p:italic r:id="rId34"/>
+      <p:boldItalic r:id="rId35"/>
     </p:embeddedFont>
   </p:embeddedFontLst>
   <p:defaultTextStyle>
@@ -394,7 +394,7 @@
           <a:p>
             <a:fld id="{FB7B64E6-86DF-4CE1-907D-31912E1E7929}" type="datetimeFigureOut">
               <a:rPr lang="ko-KR" altLang="en-US" smtClean="0"/>
-              <a:t>2020-05-07</a:t>
+              <a:t>2020-05-08</a:t>
             </a:fld>
             <a:endParaRPr lang="ko-KR" altLang="en-US"/>
           </a:p>
@@ -564,7 +564,7 @@
           <a:p>
             <a:fld id="{FB7B64E6-86DF-4CE1-907D-31912E1E7929}" type="datetimeFigureOut">
               <a:rPr lang="ko-KR" altLang="en-US" smtClean="0"/>
-              <a:t>2020-05-07</a:t>
+              <a:t>2020-05-08</a:t>
             </a:fld>
             <a:endParaRPr lang="ko-KR" altLang="en-US"/>
           </a:p>
@@ -744,7 +744,7 @@
           <a:p>
             <a:fld id="{FB7B64E6-86DF-4CE1-907D-31912E1E7929}" type="datetimeFigureOut">
               <a:rPr lang="ko-KR" altLang="en-US" smtClean="0"/>
-              <a:t>2020-05-07</a:t>
+              <a:t>2020-05-08</a:t>
             </a:fld>
             <a:endParaRPr lang="ko-KR" altLang="en-US"/>
           </a:p>
@@ -966,7 +966,7 @@
           <a:p>
             <a:fld id="{FB7B64E6-86DF-4CE1-907D-31912E1E7929}" type="datetimeFigureOut">
               <a:rPr lang="ko-KR" altLang="en-US" smtClean="0"/>
-              <a:t>2020-05-07</a:t>
+              <a:t>2020-05-08</a:t>
             </a:fld>
             <a:endParaRPr lang="ko-KR" altLang="en-US"/>
           </a:p>
@@ -1136,7 +1136,7 @@
           <a:p>
             <a:fld id="{FB7B64E6-86DF-4CE1-907D-31912E1E7929}" type="datetimeFigureOut">
               <a:rPr lang="ko-KR" altLang="en-US" smtClean="0"/>
-              <a:t>2020-05-07</a:t>
+              <a:t>2020-05-08</a:t>
             </a:fld>
             <a:endParaRPr lang="ko-KR" altLang="en-US"/>
           </a:p>
@@ -1380,7 +1380,7 @@
           <a:p>
             <a:fld id="{FB7B64E6-86DF-4CE1-907D-31912E1E7929}" type="datetimeFigureOut">
               <a:rPr lang="ko-KR" altLang="en-US" smtClean="0"/>
-              <a:t>2020-05-07</a:t>
+              <a:t>2020-05-08</a:t>
             </a:fld>
             <a:endParaRPr lang="ko-KR" altLang="en-US"/>
           </a:p>
@@ -1612,7 +1612,7 @@
           <a:p>
             <a:fld id="{FB7B64E6-86DF-4CE1-907D-31912E1E7929}" type="datetimeFigureOut">
               <a:rPr lang="ko-KR" altLang="en-US" smtClean="0"/>
-              <a:t>2020-05-07</a:t>
+              <a:t>2020-05-08</a:t>
             </a:fld>
             <a:endParaRPr lang="ko-KR" altLang="en-US"/>
           </a:p>
@@ -1979,7 +1979,7 @@
           <a:p>
             <a:fld id="{FB7B64E6-86DF-4CE1-907D-31912E1E7929}" type="datetimeFigureOut">
               <a:rPr lang="ko-KR" altLang="en-US" smtClean="0"/>
-              <a:t>2020-05-07</a:t>
+              <a:t>2020-05-08</a:t>
             </a:fld>
             <a:endParaRPr lang="ko-KR" altLang="en-US"/>
           </a:p>
@@ -2097,7 +2097,7 @@
           <a:p>
             <a:fld id="{FB7B64E6-86DF-4CE1-907D-31912E1E7929}" type="datetimeFigureOut">
               <a:rPr lang="ko-KR" altLang="en-US" smtClean="0"/>
-              <a:t>2020-05-07</a:t>
+              <a:t>2020-05-08</a:t>
             </a:fld>
             <a:endParaRPr lang="ko-KR" altLang="en-US"/>
           </a:p>
@@ -2192,7 +2192,7 @@
           <a:p>
             <a:fld id="{FB7B64E6-86DF-4CE1-907D-31912E1E7929}" type="datetimeFigureOut">
               <a:rPr lang="ko-KR" altLang="en-US" smtClean="0"/>
-              <a:t>2020-05-07</a:t>
+              <a:t>2020-05-08</a:t>
             </a:fld>
             <a:endParaRPr lang="ko-KR" altLang="en-US"/>
           </a:p>
@@ -2469,7 +2469,7 @@
           <a:p>
             <a:fld id="{FB7B64E6-86DF-4CE1-907D-31912E1E7929}" type="datetimeFigureOut">
               <a:rPr lang="ko-KR" altLang="en-US" smtClean="0"/>
-              <a:t>2020-05-07</a:t>
+              <a:t>2020-05-08</a:t>
             </a:fld>
             <a:endParaRPr lang="ko-KR" altLang="en-US"/>
           </a:p>
@@ -3076,7 +3076,7 @@
           <a:p>
             <a:fld id="{FB7B64E6-86DF-4CE1-907D-31912E1E7929}" type="datetimeFigureOut">
               <a:rPr lang="ko-KR" altLang="en-US" smtClean="0"/>
-              <a:t>2020-05-07</a:t>
+              <a:t>2020-05-08</a:t>
             </a:fld>
             <a:endParaRPr lang="ko-KR" altLang="en-US"/>
           </a:p>
@@ -5458,7 +5458,7 @@
           <p:cNvPr id="38" name="TextBox 37">
             <a:extLst>
               <a:ext uri="{FF2B5EF4-FFF2-40B4-BE49-F238E27FC236}">
-                <a16:creationId xmlns="" xmlns:a16="http://schemas.microsoft.com/office/drawing/2014/main" id="{BAE4291C-03B8-4E55-B8AB-AFC512F36275}"/>
+                <a16:creationId xmlns:a16="http://schemas.microsoft.com/office/drawing/2014/main" xmlns="" id="{BAE4291C-03B8-4E55-B8AB-AFC512F36275}"/>
               </a:ext>
             </a:extLst>
           </p:cNvPr>
@@ -5928,12 +5928,12 @@
           <a:p>
             <a:pPr algn="ctr"/>
             <a:r>
-              <a:rPr lang="ko-KR" altLang="en-US" sz="1100" smtClean="0">
+              <a:rPr lang="en-US" altLang="ko-KR" sz="1100" smtClean="0">
                 <a:solidFill>
                   <a:schemeClr val="tx1"/>
                 </a:solidFill>
               </a:rPr>
-              <a:t>담당자</a:t>
+              <a:t>PM</a:t>
             </a:r>
             <a:endParaRPr lang="ko-KR" altLang="en-US" sz="1100">
               <a:solidFill>
@@ -6231,7 +6231,7 @@
           <p:cNvPr id="51" name="TextBox 50">
             <a:extLst>
               <a:ext uri="{FF2B5EF4-FFF2-40B4-BE49-F238E27FC236}">
-                <a16:creationId xmlns="" xmlns:a16="http://schemas.microsoft.com/office/drawing/2014/main" id="{BAE4291C-03B8-4E55-B8AB-AFC512F36275}"/>
+                <a16:creationId xmlns:a16="http://schemas.microsoft.com/office/drawing/2014/main" xmlns="" id="{BAE4291C-03B8-4E55-B8AB-AFC512F36275}"/>
               </a:ext>
             </a:extLst>
           </p:cNvPr>
@@ -6343,7 +6343,7 @@
           <p:cNvPr id="53" name="TextBox 52">
             <a:extLst>
               <a:ext uri="{FF2B5EF4-FFF2-40B4-BE49-F238E27FC236}">
-                <a16:creationId xmlns="" xmlns:a16="http://schemas.microsoft.com/office/drawing/2014/main" id="{BAE4291C-03B8-4E55-B8AB-AFC512F36275}"/>
+                <a16:creationId xmlns:a16="http://schemas.microsoft.com/office/drawing/2014/main" xmlns="" id="{BAE4291C-03B8-4E55-B8AB-AFC512F36275}"/>
               </a:ext>
             </a:extLst>
           </p:cNvPr>
@@ -6965,7 +6965,7 @@
           <p:cNvPr id="38" name="TextBox 37">
             <a:extLst>
               <a:ext uri="{FF2B5EF4-FFF2-40B4-BE49-F238E27FC236}">
-                <a16:creationId xmlns="" xmlns:a16="http://schemas.microsoft.com/office/drawing/2014/main" id="{BAE4291C-03B8-4E55-B8AB-AFC512F36275}"/>
+                <a16:creationId xmlns:a16="http://schemas.microsoft.com/office/drawing/2014/main" xmlns="" id="{BAE4291C-03B8-4E55-B8AB-AFC512F36275}"/>
               </a:ext>
             </a:extLst>
           </p:cNvPr>
@@ -7715,7 +7715,7 @@
           <p:cNvPr id="38" name="TextBox 37">
             <a:extLst>
               <a:ext uri="{FF2B5EF4-FFF2-40B4-BE49-F238E27FC236}">
-                <a16:creationId xmlns="" xmlns:a16="http://schemas.microsoft.com/office/drawing/2014/main" id="{BAE4291C-03B8-4E55-B8AB-AFC512F36275}"/>
+                <a16:creationId xmlns:a16="http://schemas.microsoft.com/office/drawing/2014/main" xmlns="" id="{BAE4291C-03B8-4E55-B8AB-AFC512F36275}"/>
               </a:ext>
             </a:extLst>
           </p:cNvPr>
@@ -8493,7 +8493,7 @@
           <p:cNvPr id="38" name="TextBox 37">
             <a:extLst>
               <a:ext uri="{FF2B5EF4-FFF2-40B4-BE49-F238E27FC236}">
-                <a16:creationId xmlns="" xmlns:a16="http://schemas.microsoft.com/office/drawing/2014/main" id="{BAE4291C-03B8-4E55-B8AB-AFC512F36275}"/>
+                <a16:creationId xmlns:a16="http://schemas.microsoft.com/office/drawing/2014/main" xmlns="" id="{BAE4291C-03B8-4E55-B8AB-AFC512F36275}"/>
               </a:ext>
             </a:extLst>
           </p:cNvPr>
@@ -9723,12 +9723,12 @@
           <a:lstStyle/>
           <a:p>
             <a:r>
-              <a:rPr lang="ko-KR" altLang="en-US" sz="1100" smtClean="0">
+              <a:rPr lang="en-US" altLang="ko-KR" sz="1100">
                 <a:solidFill>
                   <a:schemeClr val="tx1"/>
                 </a:solidFill>
               </a:rPr>
-              <a:t>담당자</a:t>
+              <a:t>PM</a:t>
             </a:r>
             <a:endParaRPr lang="ko-KR" altLang="en-US" sz="1100">
               <a:solidFill>
@@ -10141,7 +10141,7 @@
           <p:cNvPr id="56" name="TextBox 55">
             <a:extLst>
               <a:ext uri="{FF2B5EF4-FFF2-40B4-BE49-F238E27FC236}">
-                <a16:creationId xmlns="" xmlns:a16="http://schemas.microsoft.com/office/drawing/2014/main" id="{BAE4291C-03B8-4E55-B8AB-AFC512F36275}"/>
+                <a16:creationId xmlns:a16="http://schemas.microsoft.com/office/drawing/2014/main" xmlns="" id="{BAE4291C-03B8-4E55-B8AB-AFC512F36275}"/>
               </a:ext>
             </a:extLst>
           </p:cNvPr>
@@ -10185,7 +10185,7 @@
           <p:cNvPr id="57" name="TextBox 56">
             <a:extLst>
               <a:ext uri="{FF2B5EF4-FFF2-40B4-BE49-F238E27FC236}">
-                <a16:creationId xmlns="" xmlns:a16="http://schemas.microsoft.com/office/drawing/2014/main" id="{BAE4291C-03B8-4E55-B8AB-AFC512F36275}"/>
+                <a16:creationId xmlns:a16="http://schemas.microsoft.com/office/drawing/2014/main" xmlns="" id="{BAE4291C-03B8-4E55-B8AB-AFC512F36275}"/>
               </a:ext>
             </a:extLst>
           </p:cNvPr>
@@ -10297,7 +10297,7 @@
           <p:cNvPr id="59" name="TextBox 58">
             <a:extLst>
               <a:ext uri="{FF2B5EF4-FFF2-40B4-BE49-F238E27FC236}">
-                <a16:creationId xmlns="" xmlns:a16="http://schemas.microsoft.com/office/drawing/2014/main" id="{BAE4291C-03B8-4E55-B8AB-AFC512F36275}"/>
+                <a16:creationId xmlns:a16="http://schemas.microsoft.com/office/drawing/2014/main" xmlns="" id="{BAE4291C-03B8-4E55-B8AB-AFC512F36275}"/>
               </a:ext>
             </a:extLst>
           </p:cNvPr>
